--- a/Batch-07/Proff Lecture Material/2. INTRODUCTION TO AWS.pptx
+++ b/Batch-07/Proff Lecture Material/2. INTRODUCTION TO AWS.pptx
@@ -10,10 +10,10 @@
   <p:sldIdLst>
     <p:sldId id="256" r:id="rId2"/>
     <p:sldId id="260" r:id="rId3"/>
-    <p:sldId id="265" r:id="rId4"/>
-    <p:sldId id="261" r:id="rId5"/>
-    <p:sldId id="264" r:id="rId6"/>
-    <p:sldId id="262" r:id="rId7"/>
+    <p:sldId id="261" r:id="rId4"/>
+    <p:sldId id="264" r:id="rId5"/>
+    <p:sldId id="262" r:id="rId6"/>
+    <p:sldId id="265" r:id="rId7"/>
     <p:sldId id="263" r:id="rId8"/>
   </p:sldIdLst>
   <p:sldSz cx="9144000" cy="6858000" type="screen4x3"/>
@@ -214,7 +214,7 @@
           <a:p>
             <a:fld id="{91A00CD1-1069-498C-ABC9-89BBA60B1D41}" type="datetimeFigureOut">
               <a:rPr lang="en-US" smtClean="0"/>
-              <a:t>8/17/2020</a:t>
+              <a:t>12/5/2021</a:t>
             </a:fld>
             <a:endParaRPr lang="en-US"/>
           </a:p>
@@ -737,7 +737,7 @@
             <a:fld id="{A27CFB8F-DFCD-4008-9245-A892E2BE0164}" type="datetimeFigureOut">
               <a:rPr lang="en-US" smtClean="0"/>
               <a:pPr/>
-              <a:t>8/17/2020</a:t>
+              <a:t>12/5/2021</a:t>
             </a:fld>
             <a:endParaRPr lang="en-US"/>
           </a:p>
@@ -903,7 +903,7 @@
             <a:fld id="{A27CFB8F-DFCD-4008-9245-A892E2BE0164}" type="datetimeFigureOut">
               <a:rPr lang="en-US" smtClean="0"/>
               <a:pPr/>
-              <a:t>8/17/2020</a:t>
+              <a:t>12/5/2021</a:t>
             </a:fld>
             <a:endParaRPr lang="en-US"/>
           </a:p>
@@ -1079,7 +1079,7 @@
             <a:fld id="{A27CFB8F-DFCD-4008-9245-A892E2BE0164}" type="datetimeFigureOut">
               <a:rPr lang="en-US" smtClean="0"/>
               <a:pPr/>
-              <a:t>8/17/2020</a:t>
+              <a:t>12/5/2021</a:t>
             </a:fld>
             <a:endParaRPr lang="en-US"/>
           </a:p>
@@ -1245,7 +1245,7 @@
             <a:fld id="{A27CFB8F-DFCD-4008-9245-A892E2BE0164}" type="datetimeFigureOut">
               <a:rPr lang="en-US" smtClean="0"/>
               <a:pPr/>
-              <a:t>8/17/2020</a:t>
+              <a:t>12/5/2021</a:t>
             </a:fld>
             <a:endParaRPr lang="en-US"/>
           </a:p>
@@ -1488,7 +1488,7 @@
             <a:fld id="{A27CFB8F-DFCD-4008-9245-A892E2BE0164}" type="datetimeFigureOut">
               <a:rPr lang="en-US" smtClean="0"/>
               <a:pPr/>
-              <a:t>8/17/2020</a:t>
+              <a:t>12/5/2021</a:t>
             </a:fld>
             <a:endParaRPr lang="en-US"/>
           </a:p>
@@ -1753,7 +1753,7 @@
             <a:fld id="{A27CFB8F-DFCD-4008-9245-A892E2BE0164}" type="datetimeFigureOut">
               <a:rPr lang="en-US" smtClean="0"/>
               <a:pPr/>
-              <a:t>8/17/2020</a:t>
+              <a:t>12/5/2021</a:t>
             </a:fld>
             <a:endParaRPr lang="en-US"/>
           </a:p>
@@ -2132,7 +2132,7 @@
             <a:fld id="{A27CFB8F-DFCD-4008-9245-A892E2BE0164}" type="datetimeFigureOut">
               <a:rPr lang="en-US" smtClean="0"/>
               <a:pPr/>
-              <a:t>8/17/2020</a:t>
+              <a:t>12/5/2021</a:t>
             </a:fld>
             <a:endParaRPr lang="en-US"/>
           </a:p>
@@ -2283,7 +2283,7 @@
             <a:fld id="{A27CFB8F-DFCD-4008-9245-A892E2BE0164}" type="datetimeFigureOut">
               <a:rPr lang="en-US" smtClean="0"/>
               <a:pPr/>
-              <a:t>8/17/2020</a:t>
+              <a:t>12/5/2021</a:t>
             </a:fld>
             <a:endParaRPr lang="en-US"/>
           </a:p>
@@ -2375,7 +2375,7 @@
             <a:fld id="{A27CFB8F-DFCD-4008-9245-A892E2BE0164}" type="datetimeFigureOut">
               <a:rPr lang="en-US" smtClean="0"/>
               <a:pPr/>
-              <a:t>8/17/2020</a:t>
+              <a:t>12/5/2021</a:t>
             </a:fld>
             <a:endParaRPr lang="en-US"/>
           </a:p>
@@ -2637,7 +2637,7 @@
             <a:fld id="{A27CFB8F-DFCD-4008-9245-A892E2BE0164}" type="datetimeFigureOut">
               <a:rPr lang="en-US" smtClean="0"/>
               <a:pPr/>
-              <a:t>8/17/2020</a:t>
+              <a:t>12/5/2021</a:t>
             </a:fld>
             <a:endParaRPr lang="en-US"/>
           </a:p>
@@ -2926,7 +2926,7 @@
             <a:fld id="{A27CFB8F-DFCD-4008-9245-A892E2BE0164}" type="datetimeFigureOut">
               <a:rPr lang="en-US" smtClean="0"/>
               <a:pPr/>
-              <a:t>8/17/2020</a:t>
+              <a:t>12/5/2021</a:t>
             </a:fld>
             <a:endParaRPr lang="en-US"/>
           </a:p>
@@ -3697,7 +3697,7 @@
             <a:fld id="{A27CFB8F-DFCD-4008-9245-A892E2BE0164}" type="datetimeFigureOut">
               <a:rPr lang="en-US" smtClean="0"/>
               <a:pPr/>
-              <a:t>8/17/2020</a:t>
+              <a:t>12/5/2021</a:t>
             </a:fld>
             <a:endParaRPr lang="en-US"/>
           </a:p>
@@ -4382,6 +4382,7 @@
           </a:bodyPr>
           <a:lstStyle/>
           <a:p>
+            <a:pPr algn="ctr"/>
             <a:r>
               <a:rPr lang="en-US" sz="3200" b="1" dirty="0"/>
               <a:t>REGIONS AND AVAILABILITY ZONE</a:t>
@@ -4402,13 +4403,28 @@
         <p:spPr/>
         <p:txBody>
           <a:bodyPr>
-            <a:normAutofit fontScale="92500"/>
+            <a:normAutofit fontScale="92500" lnSpcReduction="20000"/>
           </a:bodyPr>
           <a:lstStyle/>
           <a:p>
             <a:r>
               <a:rPr lang="en-US" dirty="0"/>
-              <a:t>Amazon EC2 is hosted in multiple locations world-wide. </a:t>
+              <a:t>Most Amazon service are hosted in multiple locations world-wide. </a:t>
+            </a:r>
+          </a:p>
+          <a:p>
+            <a:pPr lvl="1"/>
+            <a:r>
+              <a:rPr lang="en-US" dirty="0"/>
+              <a:t>These Service are referred to as </a:t>
+            </a:r>
+            <a:r>
+              <a:rPr lang="en-US" dirty="0">
+                <a:solidFill>
+                  <a:srgbClr val="FF0000"/>
+                </a:solidFill>
+              </a:rPr>
+              <a:t>Region-Specific Services</a:t>
             </a:r>
           </a:p>
           <a:p>
@@ -4432,13 +4448,13 @@
           <a:p>
             <a:r>
               <a:rPr lang="en-US" dirty="0"/>
-              <a:t>Amazon EC2 provides you the ability to place resources, such as instances, and data in multiple locations. </a:t>
+              <a:t>This provides you with the ability to place resources, such as instances, and data in multiple locations. </a:t>
             </a:r>
           </a:p>
           <a:p>
             <a:r>
               <a:rPr lang="en-US" dirty="0"/>
-              <a:t>Resources aren't replicated across regions unless you specify do so.</a:t>
+              <a:t>Resources aren’t automatically replicated across regions unless you specify do so.</a:t>
             </a:r>
           </a:p>
         </p:txBody>
@@ -4470,13 +4486,7 @@
       </p:grpSpPr>
       <p:sp>
         <p:nvSpPr>
-          <p:cNvPr id="8" name="Title 1">
-            <a:extLst>
-              <a:ext uri="{FF2B5EF4-FFF2-40B4-BE49-F238E27FC236}">
-                <a16:creationId xmlns:a16="http://schemas.microsoft.com/office/drawing/2014/main" id="{96FC7978-F270-4084-ADC8-FCA87A33932A}"/>
-              </a:ext>
-            </a:extLst>
-          </p:cNvPr>
+          <p:cNvPr id="2" name="Title 1"/>
           <p:cNvSpPr>
             <a:spLocks noGrp="1"/>
           </p:cNvSpPr>
@@ -4484,42 +4494,23 @@
             <p:ph type="title"/>
           </p:nvPr>
         </p:nvSpPr>
-        <p:spPr>
-          <a:xfrm>
-            <a:off x="457200" y="990600"/>
-            <a:ext cx="8229600" cy="1143000"/>
-          </a:xfrm>
-        </p:spPr>
+        <p:spPr/>
         <p:txBody>
           <a:bodyPr>
-            <a:normAutofit fontScale="90000"/>
+            <a:normAutofit/>
           </a:bodyPr>
           <a:lstStyle/>
           <a:p>
-            <a:pPr algn="ctr"/>
-            <a:r>
-              <a:rPr lang="en-US" b="1" dirty="0"/>
-              <a:t>Five Pillars of</a:t>
-            </a:r>
-            <a:br>
-              <a:rPr lang="en-US" b="1" dirty="0"/>
-            </a:br>
-            <a:r>
-              <a:rPr lang="en-US" b="1" dirty="0"/>
-              <a:t>Well Architect Solutions in AWS</a:t>
-            </a:r>
-          </a:p>
-        </p:txBody>
-      </p:sp>
-      <p:sp>
-        <p:nvSpPr>
-          <p:cNvPr id="9" name="Content Placeholder 2">
-            <a:extLst>
-              <a:ext uri="{FF2B5EF4-FFF2-40B4-BE49-F238E27FC236}">
-                <a16:creationId xmlns:a16="http://schemas.microsoft.com/office/drawing/2014/main" id="{C23578F9-3EB8-433E-97ED-2C01A2412A5F}"/>
-              </a:ext>
-            </a:extLst>
-          </p:cNvPr>
+            <a:r>
+              <a:rPr lang="en-US" sz="4000" b="1" dirty="0"/>
+              <a:t>Region and Availability Zone Relation</a:t>
+            </a:r>
+          </a:p>
+        </p:txBody>
+      </p:sp>
+      <p:sp>
+        <p:nvSpPr>
+          <p:cNvPr id="3" name="Content Placeholder 2"/>
           <p:cNvSpPr>
             <a:spLocks noGrp="1"/>
           </p:cNvSpPr>
@@ -4527,83 +4518,37 @@
             <p:ph idx="1"/>
           </p:nvPr>
         </p:nvSpPr>
-        <p:spPr>
-          <a:xfrm>
-            <a:off x="457200" y="1828800"/>
-            <a:ext cx="8686800" cy="5029200"/>
-          </a:xfrm>
-        </p:spPr>
-        <p:txBody>
-          <a:bodyPr>
-            <a:noAutofit/>
-          </a:bodyPr>
-          <a:lstStyle/>
+        <p:spPr/>
+        <p:txBody>
+          <a:bodyPr/>
+          <a:lstStyle/>
+          <a:p>
+            <a:r>
+              <a:rPr lang="en-US" dirty="0"/>
+              <a:t>Each region is completely independent. </a:t>
+            </a:r>
+          </a:p>
+          <a:p>
+            <a:r>
+              <a:rPr lang="en-US" dirty="0"/>
+              <a:t>Each Availability Zone is isolated, but the Availability Zones in a region are connected through low-latency links. </a:t>
+            </a:r>
+          </a:p>
+          <a:p>
+            <a:r>
+              <a:rPr lang="en-US" dirty="0"/>
+              <a:t>The following diagram illustrates the relationship between regions and Availability Zones.</a:t>
+            </a:r>
+          </a:p>
           <a:p>
             <a:pPr>
-              <a:lnSpc>
-                <a:spcPct val="300000"/>
-              </a:lnSpc>
+              <a:buNone/>
             </a:pPr>
-            <a:r>
-              <a:rPr lang="en-US" sz="2000" b="1" dirty="0"/>
-              <a:t>Operational Excellence</a:t>
-            </a:r>
-          </a:p>
-          <a:p>
-            <a:pPr>
-              <a:lnSpc>
-                <a:spcPct val="300000"/>
-              </a:lnSpc>
-            </a:pPr>
-            <a:r>
-              <a:rPr lang="en-US" sz="2000" b="1" dirty="0"/>
-              <a:t>Security</a:t>
-            </a:r>
-          </a:p>
-          <a:p>
-            <a:pPr>
-              <a:lnSpc>
-                <a:spcPct val="300000"/>
-              </a:lnSpc>
-            </a:pPr>
-            <a:r>
-              <a:rPr lang="en-US" sz="2000" b="1" dirty="0"/>
-              <a:t>Reliability</a:t>
-            </a:r>
-          </a:p>
-          <a:p>
-            <a:pPr>
-              <a:lnSpc>
-                <a:spcPct val="300000"/>
-              </a:lnSpc>
-            </a:pPr>
-            <a:r>
-              <a:rPr lang="en-US" sz="2000" b="1" dirty="0"/>
-              <a:t> Performance</a:t>
-            </a:r>
-          </a:p>
-          <a:p>
-            <a:pPr>
-              <a:lnSpc>
-                <a:spcPct val="300000"/>
-              </a:lnSpc>
-            </a:pPr>
-            <a:r>
-              <a:rPr lang="en-US" sz="2000" b="1" dirty="0"/>
-              <a:t>Cost Optimization</a:t>
-            </a:r>
-          </a:p>
-          <a:p>
-            <a:endParaRPr lang="en-US" sz="2000" dirty="0"/>
+            <a:endParaRPr lang="en-US" dirty="0"/>
           </a:p>
         </p:txBody>
       </p:sp>
     </p:spTree>
-    <p:extLst>
-      <p:ext uri="{BB962C8B-B14F-4D97-AF65-F5344CB8AC3E}">
-        <p14:creationId xmlns:p14="http://schemas.microsoft.com/office/powerpoint/2010/main" val="3422320824"/>
-      </p:ext>
-    </p:extLst>
   </p:cSld>
   <p:clrMapOvr>
     <a:masterClrMapping/>
@@ -4612,95 +4557,6 @@
 </file>
 
 <file path=ppt/slides/slide4.xml><?xml version="1.0" encoding="utf-8"?>
-<p:sld xmlns:a="http://schemas.openxmlformats.org/drawingml/2006/main" xmlns:r="http://schemas.openxmlformats.org/officeDocument/2006/relationships" xmlns:p="http://schemas.openxmlformats.org/presentationml/2006/main">
-  <p:cSld>
-    <p:spTree>
-      <p:nvGrpSpPr>
-        <p:cNvPr id="1" name=""/>
-        <p:cNvGrpSpPr/>
-        <p:nvPr/>
-      </p:nvGrpSpPr>
-      <p:grpSpPr>
-        <a:xfrm>
-          <a:off x="0" y="0"/>
-          <a:ext cx="0" cy="0"/>
-          <a:chOff x="0" y="0"/>
-          <a:chExt cx="0" cy="0"/>
-        </a:xfrm>
-      </p:grpSpPr>
-      <p:sp>
-        <p:nvSpPr>
-          <p:cNvPr id="2" name="Title 1"/>
-          <p:cNvSpPr>
-            <a:spLocks noGrp="1"/>
-          </p:cNvSpPr>
-          <p:nvPr>
-            <p:ph type="title"/>
-          </p:nvPr>
-        </p:nvSpPr>
-        <p:spPr/>
-        <p:txBody>
-          <a:bodyPr>
-            <a:normAutofit/>
-          </a:bodyPr>
-          <a:lstStyle/>
-          <a:p>
-            <a:r>
-              <a:rPr lang="en-US" sz="4000" b="1" dirty="0"/>
-              <a:t>Region and Availability Zone Relation</a:t>
-            </a:r>
-          </a:p>
-        </p:txBody>
-      </p:sp>
-      <p:sp>
-        <p:nvSpPr>
-          <p:cNvPr id="3" name="Content Placeholder 2"/>
-          <p:cNvSpPr>
-            <a:spLocks noGrp="1"/>
-          </p:cNvSpPr>
-          <p:nvPr>
-            <p:ph idx="1"/>
-          </p:nvPr>
-        </p:nvSpPr>
-        <p:spPr/>
-        <p:txBody>
-          <a:bodyPr/>
-          <a:lstStyle/>
-          <a:p>
-            <a:r>
-              <a:rPr lang="en-US" dirty="0"/>
-              <a:t>Each region is completely independent. </a:t>
-            </a:r>
-          </a:p>
-          <a:p>
-            <a:r>
-              <a:rPr lang="en-US" dirty="0"/>
-              <a:t>Each Availability Zone is isolated, but the Availability Zones in a region are connected through low-latency links. </a:t>
-            </a:r>
-          </a:p>
-          <a:p>
-            <a:r>
-              <a:rPr lang="en-US" dirty="0"/>
-              <a:t>The following diagram illustrates the relationship between regions and Availability Zones.</a:t>
-            </a:r>
-          </a:p>
-          <a:p>
-            <a:pPr>
-              <a:buNone/>
-            </a:pPr>
-            <a:endParaRPr lang="en-US" dirty="0"/>
-          </a:p>
-        </p:txBody>
-      </p:sp>
-    </p:spTree>
-  </p:cSld>
-  <p:clrMapOvr>
-    <a:masterClrMapping/>
-  </p:clrMapOvr>
-</p:sld>
-</file>
-
-<file path=ppt/slides/slide5.xml><?xml version="1.0" encoding="utf-8"?>
 <p:sld xmlns:a="http://schemas.openxmlformats.org/drawingml/2006/main" xmlns:r="http://schemas.openxmlformats.org/officeDocument/2006/relationships" xmlns:p="http://schemas.openxmlformats.org/presentationml/2006/main">
   <p:cSld>
     <p:spTree>
@@ -4786,7 +4642,7 @@
 </p:sld>
 </file>
 
-<file path=ppt/slides/slide6.xml><?xml version="1.0" encoding="utf-8"?>
+<file path=ppt/slides/slide5.xml><?xml version="1.0" encoding="utf-8"?>
 <p:sld xmlns:a="http://schemas.openxmlformats.org/drawingml/2006/main" xmlns:r="http://schemas.openxmlformats.org/officeDocument/2006/relationships" xmlns:p="http://schemas.openxmlformats.org/presentationml/2006/main">
   <p:cSld>
     <p:spTree>
@@ -4891,6 +4747,166 @@
         </p:spPr>
       </p:pic>
     </p:spTree>
+  </p:cSld>
+  <p:clrMapOvr>
+    <a:masterClrMapping/>
+  </p:clrMapOvr>
+</p:sld>
+</file>
+
+<file path=ppt/slides/slide6.xml><?xml version="1.0" encoding="utf-8"?>
+<p:sld xmlns:a="http://schemas.openxmlformats.org/drawingml/2006/main" xmlns:r="http://schemas.openxmlformats.org/officeDocument/2006/relationships" xmlns:p="http://schemas.openxmlformats.org/presentationml/2006/main">
+  <p:cSld>
+    <p:spTree>
+      <p:nvGrpSpPr>
+        <p:cNvPr id="1" name=""/>
+        <p:cNvGrpSpPr/>
+        <p:nvPr/>
+      </p:nvGrpSpPr>
+      <p:grpSpPr>
+        <a:xfrm>
+          <a:off x="0" y="0"/>
+          <a:ext cx="0" cy="0"/>
+          <a:chOff x="0" y="0"/>
+          <a:chExt cx="0" cy="0"/>
+        </a:xfrm>
+      </p:grpSpPr>
+      <p:sp>
+        <p:nvSpPr>
+          <p:cNvPr id="8" name="Title 1">
+            <a:extLst>
+              <a:ext uri="{FF2B5EF4-FFF2-40B4-BE49-F238E27FC236}">
+                <a16:creationId xmlns:a16="http://schemas.microsoft.com/office/drawing/2014/main" id="{96FC7978-F270-4084-ADC8-FCA87A33932A}"/>
+              </a:ext>
+            </a:extLst>
+          </p:cNvPr>
+          <p:cNvSpPr>
+            <a:spLocks noGrp="1"/>
+          </p:cNvSpPr>
+          <p:nvPr>
+            <p:ph type="title"/>
+          </p:nvPr>
+        </p:nvSpPr>
+        <p:spPr>
+          <a:xfrm>
+            <a:off x="457200" y="990600"/>
+            <a:ext cx="8229600" cy="1143000"/>
+          </a:xfrm>
+        </p:spPr>
+        <p:txBody>
+          <a:bodyPr>
+            <a:normAutofit fontScale="90000"/>
+          </a:bodyPr>
+          <a:lstStyle/>
+          <a:p>
+            <a:pPr algn="ctr"/>
+            <a:r>
+              <a:rPr lang="en-US" b="1" dirty="0"/>
+              <a:t>Five Pillars of</a:t>
+            </a:r>
+            <a:br>
+              <a:rPr lang="en-US" b="1" dirty="0"/>
+            </a:br>
+            <a:r>
+              <a:rPr lang="en-US" b="1" dirty="0"/>
+              <a:t>Well Architect Solutions in AWS</a:t>
+            </a:r>
+          </a:p>
+        </p:txBody>
+      </p:sp>
+      <p:sp>
+        <p:nvSpPr>
+          <p:cNvPr id="9" name="Content Placeholder 2">
+            <a:extLst>
+              <a:ext uri="{FF2B5EF4-FFF2-40B4-BE49-F238E27FC236}">
+                <a16:creationId xmlns:a16="http://schemas.microsoft.com/office/drawing/2014/main" id="{C23578F9-3EB8-433E-97ED-2C01A2412A5F}"/>
+              </a:ext>
+            </a:extLst>
+          </p:cNvPr>
+          <p:cNvSpPr>
+            <a:spLocks noGrp="1"/>
+          </p:cNvSpPr>
+          <p:nvPr>
+            <p:ph idx="1"/>
+          </p:nvPr>
+        </p:nvSpPr>
+        <p:spPr>
+          <a:xfrm>
+            <a:off x="457200" y="2209800"/>
+            <a:ext cx="8686800" cy="4648200"/>
+          </a:xfrm>
+        </p:spPr>
+        <p:txBody>
+          <a:bodyPr>
+            <a:noAutofit/>
+          </a:bodyPr>
+          <a:lstStyle/>
+          <a:p>
+            <a:pPr>
+              <a:lnSpc>
+                <a:spcPct val="300000"/>
+              </a:lnSpc>
+            </a:pPr>
+            <a:r>
+              <a:rPr lang="en-US" sz="1800" b="1" dirty="0"/>
+              <a:t>Operational Excellence</a:t>
+            </a:r>
+          </a:p>
+          <a:p>
+            <a:pPr>
+              <a:lnSpc>
+                <a:spcPct val="300000"/>
+              </a:lnSpc>
+            </a:pPr>
+            <a:r>
+              <a:rPr lang="en-US" sz="1800" b="1" dirty="0"/>
+              <a:t>Security</a:t>
+            </a:r>
+          </a:p>
+          <a:p>
+            <a:pPr>
+              <a:lnSpc>
+                <a:spcPct val="300000"/>
+              </a:lnSpc>
+            </a:pPr>
+            <a:r>
+              <a:rPr lang="en-US" sz="1800" b="1" dirty="0"/>
+              <a:t>Reliability</a:t>
+            </a:r>
+          </a:p>
+          <a:p>
+            <a:pPr>
+              <a:lnSpc>
+                <a:spcPct val="300000"/>
+              </a:lnSpc>
+            </a:pPr>
+            <a:r>
+              <a:rPr lang="en-US" sz="1800" b="1" dirty="0"/>
+              <a:t> Performance</a:t>
+            </a:r>
+          </a:p>
+          <a:p>
+            <a:pPr>
+              <a:lnSpc>
+                <a:spcPct val="300000"/>
+              </a:lnSpc>
+            </a:pPr>
+            <a:r>
+              <a:rPr lang="en-US" sz="1800" b="1" dirty="0"/>
+              <a:t>Cost Optimization</a:t>
+            </a:r>
+          </a:p>
+          <a:p>
+            <a:endParaRPr lang="en-US" sz="1800" dirty="0"/>
+          </a:p>
+        </p:txBody>
+      </p:sp>
+    </p:spTree>
+    <p:extLst>
+      <p:ext uri="{BB962C8B-B14F-4D97-AF65-F5344CB8AC3E}">
+        <p14:creationId xmlns:p14="http://schemas.microsoft.com/office/powerpoint/2010/main" val="3422320824"/>
+      </p:ext>
+    </p:extLst>
   </p:cSld>
   <p:clrMapOvr>
     <a:masterClrMapping/>
